--- a/6044_FramPat/D2D/W02/Factory Patterns (Abstract Factory, Builder).pptx
+++ b/6044_FramPat/D2D/W02/Factory Patterns (Abstract Factory, Builder).pptx
@@ -8,6 +8,10 @@
     <p:sldId id="256" r:id="rId2"/>
     <p:sldId id="259" r:id="rId3"/>
     <p:sldId id="260" r:id="rId4"/>
+    <p:sldId id="261" r:id="rId5"/>
+    <p:sldId id="263" r:id="rId6"/>
+    <p:sldId id="262" r:id="rId7"/>
+    <p:sldId id="264" r:id="rId8"/>
   </p:sldIdLst>
   <p:sldSz cx="12192000" cy="6858000"/>
   <p:notesSz cx="6858000" cy="9144000"/>
@@ -3626,13 +3630,22 @@
           <a:p>
             <a:r>
               <a:rPr lang="en-CA" dirty="0"/>
-              <a:t>C++: ideally, it’s a “</a:t>
-            </a:r>
-            <a:r>
-              <a:rPr lang="en-CA"/>
-              <a:t>pure virtual” class</a:t>
-            </a:r>
-            <a:endParaRPr lang="en-CA" dirty="0"/>
+              <a:t>C++: ideally, it’s a “pure virtual” class</a:t>
+            </a:r>
+          </a:p>
+          <a:p>
+            <a:pPr lvl="1"/>
+            <a:r>
+              <a:rPr lang="en-CA" dirty="0"/>
+              <a:t>All are virtual methods</a:t>
+            </a:r>
+          </a:p>
+          <a:p>
+            <a:pPr lvl="1"/>
+            <a:r>
+              <a:rPr lang="en-CA" dirty="0"/>
+              <a:t>All are “pure” i.e. “= 0”</a:t>
+            </a:r>
           </a:p>
         </p:txBody>
       </p:sp>
@@ -3640,6 +3653,639 @@
     <p:extLst>
       <p:ext uri="{BB962C8B-B14F-4D97-AF65-F5344CB8AC3E}">
         <p14:creationId xmlns:p14="http://schemas.microsoft.com/office/powerpoint/2010/main" val="843365636"/>
+      </p:ext>
+    </p:extLst>
+  </p:cSld>
+  <p:clrMapOvr>
+    <a:masterClrMapping/>
+  </p:clrMapOvr>
+</p:sld>
+</file>
+
+<file path=ppt/slides/slide4.xml><?xml version="1.0" encoding="utf-8"?>
+<p:sld xmlns:a="http://schemas.openxmlformats.org/drawingml/2006/main" xmlns:r="http://schemas.openxmlformats.org/officeDocument/2006/relationships" xmlns:p="http://schemas.openxmlformats.org/presentationml/2006/main">
+  <p:cSld>
+    <p:spTree>
+      <p:nvGrpSpPr>
+        <p:cNvPr id="1" name=""/>
+        <p:cNvGrpSpPr/>
+        <p:nvPr/>
+      </p:nvGrpSpPr>
+      <p:grpSpPr>
+        <a:xfrm>
+          <a:off x="0" y="0"/>
+          <a:ext cx="0" cy="0"/>
+          <a:chOff x="0" y="0"/>
+          <a:chExt cx="0" cy="0"/>
+        </a:xfrm>
+      </p:grpSpPr>
+      <p:sp>
+        <p:nvSpPr>
+          <p:cNvPr id="2" name="Title 1">
+            <a:extLst>
+              <a:ext uri="{FF2B5EF4-FFF2-40B4-BE49-F238E27FC236}">
+                <a16:creationId xmlns:a16="http://schemas.microsoft.com/office/drawing/2014/main" id="{4EF1F834-1374-891E-A644-596BA61A5BA6}"/>
+              </a:ext>
+            </a:extLst>
+          </p:cNvPr>
+          <p:cNvSpPr>
+            <a:spLocks noGrp="1"/>
+          </p:cNvSpPr>
+          <p:nvPr>
+            <p:ph type="title"/>
+          </p:nvPr>
+        </p:nvSpPr>
+        <p:spPr/>
+        <p:txBody>
+          <a:bodyPr/>
+          <a:lstStyle/>
+          <a:p>
+            <a:r>
+              <a:rPr lang="en-CA" dirty="0"/>
+              <a:t>“Abstract” factory: How to</a:t>
+            </a:r>
+          </a:p>
+        </p:txBody>
+      </p:sp>
+      <p:sp>
+        <p:nvSpPr>
+          <p:cNvPr id="3" name="Content Placeholder 2">
+            <a:extLst>
+              <a:ext uri="{FF2B5EF4-FFF2-40B4-BE49-F238E27FC236}">
+                <a16:creationId xmlns:a16="http://schemas.microsoft.com/office/drawing/2014/main" id="{4285F69C-D846-111D-EF5A-4DE88B5F6AC7}"/>
+              </a:ext>
+            </a:extLst>
+          </p:cNvPr>
+          <p:cNvSpPr>
+            <a:spLocks noGrp="1"/>
+          </p:cNvSpPr>
+          <p:nvPr>
+            <p:ph idx="1"/>
+          </p:nvPr>
+        </p:nvSpPr>
+        <p:spPr/>
+        <p:txBody>
+          <a:bodyPr>
+            <a:normAutofit fontScale="92500" lnSpcReduction="10000"/>
+          </a:bodyPr>
+          <a:lstStyle/>
+          <a:p>
+            <a:pPr marL="514350" indent="-514350">
+              <a:buFont typeface="+mj-lt"/>
+              <a:buAutoNum type="arabicPeriod"/>
+            </a:pPr>
+            <a:r>
+              <a:rPr lang="en-CA" dirty="0"/>
+              <a:t>Figure out the methods you want</a:t>
+            </a:r>
+          </a:p>
+          <a:p>
+            <a:pPr marL="514350" indent="-514350">
+              <a:buFont typeface="+mj-lt"/>
+              <a:buAutoNum type="arabicPeriod"/>
+            </a:pPr>
+            <a:r>
+              <a:rPr lang="en-CA" dirty="0"/>
+              <a:t>Add them to an “interface” class (i.e. a regular class) but ALL the methods are pure virtual</a:t>
+            </a:r>
+          </a:p>
+          <a:p>
+            <a:pPr marL="514350" indent="-514350">
+              <a:buFont typeface="+mj-lt"/>
+              <a:buAutoNum type="arabicPeriod"/>
+            </a:pPr>
+            <a:r>
+              <a:rPr lang="en-CA" dirty="0"/>
+              <a:t>Add a virtual destructor</a:t>
+            </a:r>
+          </a:p>
+          <a:p>
+            <a:pPr marL="0" indent="0">
+              <a:buNone/>
+            </a:pPr>
+            <a:r>
+              <a:rPr lang="en-CA" dirty="0"/>
+              <a:t>Factory:</a:t>
+            </a:r>
+          </a:p>
+          <a:p>
+            <a:pPr marL="514350" indent="-514350">
+              <a:buAutoNum type="arabicPeriod"/>
+            </a:pPr>
+            <a:r>
+              <a:rPr lang="en-CA" dirty="0"/>
+              <a:t>Returns this virtual interface and takes a known type (int, string, something like that, but NEVER an </a:t>
+            </a:r>
+            <a:r>
+              <a:rPr lang="en-CA" dirty="0" err="1"/>
+              <a:t>enum</a:t>
+            </a:r>
+            <a:r>
+              <a:rPr lang="en-CA" dirty="0"/>
+              <a:t> or #define)</a:t>
+            </a:r>
+          </a:p>
+          <a:p>
+            <a:pPr marL="514350" indent="-514350">
+              <a:buAutoNum type="arabicPeriod"/>
+            </a:pPr>
+            <a:r>
+              <a:rPr lang="en-CA" dirty="0"/>
+              <a:t>In the header: ONLY include the interface class NEVER the actual classes</a:t>
+            </a:r>
+          </a:p>
+          <a:p>
+            <a:pPr marL="514350" indent="-514350">
+              <a:buAutoNum type="arabicPeriod"/>
+            </a:pPr>
+            <a:r>
+              <a:rPr lang="en-CA" dirty="0"/>
+              <a:t>In the “body” (“implementation”/</a:t>
+            </a:r>
+            <a:r>
+              <a:rPr lang="en-CA" dirty="0" err="1"/>
+              <a:t>cpp</a:t>
+            </a:r>
+            <a:r>
+              <a:rPr lang="en-CA" dirty="0"/>
+              <a:t>) file, include the specific classes (the “derived” classes)</a:t>
+            </a:r>
+          </a:p>
+        </p:txBody>
+      </p:sp>
+    </p:spTree>
+    <p:extLst>
+      <p:ext uri="{BB962C8B-B14F-4D97-AF65-F5344CB8AC3E}">
+        <p14:creationId xmlns:p14="http://schemas.microsoft.com/office/powerpoint/2010/main" val="1758110361"/>
+      </p:ext>
+    </p:extLst>
+  </p:cSld>
+  <p:clrMapOvr>
+    <a:masterClrMapping/>
+  </p:clrMapOvr>
+</p:sld>
+</file>
+
+<file path=ppt/slides/slide5.xml><?xml version="1.0" encoding="utf-8"?>
+<p:sld xmlns:a="http://schemas.openxmlformats.org/drawingml/2006/main" xmlns:r="http://schemas.openxmlformats.org/officeDocument/2006/relationships" xmlns:p="http://schemas.openxmlformats.org/presentationml/2006/main">
+  <p:cSld>
+    <p:spTree>
+      <p:nvGrpSpPr>
+        <p:cNvPr id="1" name=""/>
+        <p:cNvGrpSpPr/>
+        <p:nvPr/>
+      </p:nvGrpSpPr>
+      <p:grpSpPr>
+        <a:xfrm>
+          <a:off x="0" y="0"/>
+          <a:ext cx="0" cy="0"/>
+          <a:chOff x="0" y="0"/>
+          <a:chExt cx="0" cy="0"/>
+        </a:xfrm>
+      </p:grpSpPr>
+      <p:sp>
+        <p:nvSpPr>
+          <p:cNvPr id="2" name="Title 1">
+            <a:extLst>
+              <a:ext uri="{FF2B5EF4-FFF2-40B4-BE49-F238E27FC236}">
+                <a16:creationId xmlns:a16="http://schemas.microsoft.com/office/drawing/2014/main" id="{4EF1F834-1374-891E-A644-596BA61A5BA6}"/>
+              </a:ext>
+            </a:extLst>
+          </p:cNvPr>
+          <p:cNvSpPr>
+            <a:spLocks noGrp="1"/>
+          </p:cNvSpPr>
+          <p:nvPr>
+            <p:ph type="title"/>
+          </p:nvPr>
+        </p:nvSpPr>
+        <p:spPr/>
+        <p:txBody>
+          <a:bodyPr/>
+          <a:lstStyle/>
+          <a:p>
+            <a:r>
+              <a:rPr lang="en-CA" dirty="0"/>
+              <a:t>“Abstract” factory: How to</a:t>
+            </a:r>
+          </a:p>
+        </p:txBody>
+      </p:sp>
+      <p:sp>
+        <p:nvSpPr>
+          <p:cNvPr id="3" name="Content Placeholder 2">
+            <a:extLst>
+              <a:ext uri="{FF2B5EF4-FFF2-40B4-BE49-F238E27FC236}">
+                <a16:creationId xmlns:a16="http://schemas.microsoft.com/office/drawing/2014/main" id="{4285F69C-D846-111D-EF5A-4DE88B5F6AC7}"/>
+              </a:ext>
+            </a:extLst>
+          </p:cNvPr>
+          <p:cNvSpPr>
+            <a:spLocks noGrp="1"/>
+          </p:cNvSpPr>
+          <p:nvPr>
+            <p:ph idx="1"/>
+          </p:nvPr>
+        </p:nvSpPr>
+        <p:spPr/>
+        <p:txBody>
+          <a:bodyPr>
+            <a:normAutofit/>
+          </a:bodyPr>
+          <a:lstStyle/>
+          <a:p>
+            <a:r>
+              <a:rPr lang="en-CA" dirty="0"/>
+              <a:t>This is used when all the object we are creating “boil down” to the exact same “type” of thing. </a:t>
+            </a:r>
+          </a:p>
+          <a:p>
+            <a:r>
+              <a:rPr lang="en-CA" dirty="0"/>
+              <a:t>i.e. they can all have the identical interface.</a:t>
+            </a:r>
+          </a:p>
+          <a:p>
+            <a:r>
+              <a:rPr lang="en-CA" dirty="0" err="1"/>
+              <a:t>Eg</a:t>
+            </a:r>
+            <a:r>
+              <a:rPr lang="en-CA" dirty="0"/>
+              <a:t>: Account, </a:t>
+            </a:r>
+            <a:r>
+              <a:rPr lang="en-CA" dirty="0" err="1"/>
+              <a:t>SavingAccount</a:t>
+            </a:r>
+            <a:r>
+              <a:rPr lang="en-CA" dirty="0"/>
+              <a:t>, </a:t>
+            </a:r>
+            <a:r>
+              <a:rPr lang="en-CA" dirty="0" err="1"/>
+              <a:t>ChequingAccount</a:t>
+            </a:r>
+            <a:r>
+              <a:rPr lang="en-CA" dirty="0"/>
+              <a:t>…</a:t>
+            </a:r>
+          </a:p>
+        </p:txBody>
+      </p:sp>
+    </p:spTree>
+    <p:extLst>
+      <p:ext uri="{BB962C8B-B14F-4D97-AF65-F5344CB8AC3E}">
+        <p14:creationId xmlns:p14="http://schemas.microsoft.com/office/powerpoint/2010/main" val="2999679213"/>
+      </p:ext>
+    </p:extLst>
+  </p:cSld>
+  <p:clrMapOvr>
+    <a:masterClrMapping/>
+  </p:clrMapOvr>
+</p:sld>
+</file>
+
+<file path=ppt/slides/slide6.xml><?xml version="1.0" encoding="utf-8"?>
+<p:sld xmlns:a="http://schemas.openxmlformats.org/drawingml/2006/main" xmlns:r="http://schemas.openxmlformats.org/officeDocument/2006/relationships" xmlns:p="http://schemas.openxmlformats.org/presentationml/2006/main">
+  <p:cSld>
+    <p:spTree>
+      <p:nvGrpSpPr>
+        <p:cNvPr id="1" name=""/>
+        <p:cNvGrpSpPr/>
+        <p:nvPr/>
+      </p:nvGrpSpPr>
+      <p:grpSpPr>
+        <a:xfrm>
+          <a:off x="0" y="0"/>
+          <a:ext cx="0" cy="0"/>
+          <a:chOff x="0" y="0"/>
+          <a:chExt cx="0" cy="0"/>
+        </a:xfrm>
+      </p:grpSpPr>
+      <p:sp>
+        <p:nvSpPr>
+          <p:cNvPr id="2" name="Title 1">
+            <a:extLst>
+              <a:ext uri="{FF2B5EF4-FFF2-40B4-BE49-F238E27FC236}">
+                <a16:creationId xmlns:a16="http://schemas.microsoft.com/office/drawing/2014/main" id="{4EF1F834-1374-891E-A644-596BA61A5BA6}"/>
+              </a:ext>
+            </a:extLst>
+          </p:cNvPr>
+          <p:cNvSpPr>
+            <a:spLocks noGrp="1"/>
+          </p:cNvSpPr>
+          <p:nvPr>
+            <p:ph type="title"/>
+          </p:nvPr>
+        </p:nvSpPr>
+        <p:spPr/>
+        <p:txBody>
+          <a:bodyPr/>
+          <a:lstStyle/>
+          <a:p>
+            <a:r>
+              <a:rPr lang="en-CA" dirty="0"/>
+              <a:t>Singleton</a:t>
+            </a:r>
+          </a:p>
+        </p:txBody>
+      </p:sp>
+      <p:sp>
+        <p:nvSpPr>
+          <p:cNvPr id="3" name="Content Placeholder 2">
+            <a:extLst>
+              <a:ext uri="{FF2B5EF4-FFF2-40B4-BE49-F238E27FC236}">
+                <a16:creationId xmlns:a16="http://schemas.microsoft.com/office/drawing/2014/main" id="{4285F69C-D846-111D-EF5A-4DE88B5F6AC7}"/>
+              </a:ext>
+            </a:extLst>
+          </p:cNvPr>
+          <p:cNvSpPr>
+            <a:spLocks noGrp="1"/>
+          </p:cNvSpPr>
+          <p:nvPr>
+            <p:ph idx="1"/>
+          </p:nvPr>
+        </p:nvSpPr>
+        <p:spPr/>
+        <p:txBody>
+          <a:bodyPr>
+            <a:normAutofit fontScale="92500" lnSpcReduction="20000"/>
+          </a:bodyPr>
+          <a:lstStyle/>
+          <a:p>
+            <a:r>
+              <a:rPr lang="en-CA" dirty="0"/>
+              <a:t>Sort of like a factory in that the object is the only one that can create itself</a:t>
+            </a:r>
+          </a:p>
+          <a:p>
+            <a:r>
+              <a:rPr lang="en-CA" dirty="0"/>
+              <a:t>C++:</a:t>
+            </a:r>
+          </a:p>
+          <a:p>
+            <a:pPr lvl="1"/>
+            <a:r>
+              <a:rPr lang="en-CA" dirty="0"/>
+              <a:t>Make new private</a:t>
+            </a:r>
+          </a:p>
+          <a:p>
+            <a:pPr lvl="1"/>
+            <a:r>
+              <a:rPr lang="en-CA" dirty="0"/>
+              <a:t>Make a static point to a type of itself (</a:t>
+            </a:r>
+            <a:r>
+              <a:rPr lang="en-CA" dirty="0" err="1"/>
+              <a:t>cArena</a:t>
+            </a:r>
+            <a:r>
+              <a:rPr lang="en-CA" dirty="0"/>
+              <a:t>*) and set it to a known value, likely NULL (or 0 or </a:t>
+            </a:r>
+            <a:r>
+              <a:rPr lang="en-CA" dirty="0" err="1"/>
+              <a:t>nullptr</a:t>
+            </a:r>
+            <a:r>
+              <a:rPr lang="en-CA" dirty="0"/>
+              <a:t>)</a:t>
+            </a:r>
+          </a:p>
+          <a:p>
+            <a:pPr lvl="2"/>
+            <a:r>
+              <a:rPr lang="en-CA" dirty="0"/>
+              <a:t>Note the strange static initialization needed for C++ where the variable CAN’T be assigned in the header, but only in the CPP file</a:t>
+            </a:r>
+          </a:p>
+          <a:p>
+            <a:pPr lvl="1"/>
+            <a:r>
+              <a:rPr lang="en-CA" dirty="0"/>
+              <a:t>Make a static method (i.e. put “static” in front of the method) and check if the pointer has been assigned to anything, if not create itself (call new) and return the pointer.</a:t>
+            </a:r>
+          </a:p>
+          <a:p>
+            <a:r>
+              <a:rPr lang="en-CA" dirty="0"/>
+              <a:t>Anything wanting this calls the “factory method” which is static:</a:t>
+            </a:r>
+          </a:p>
+          <a:p>
+            <a:pPr lvl="1"/>
+            <a:r>
+              <a:rPr lang="en-CA" dirty="0" err="1"/>
+              <a:t>cArena</a:t>
+            </a:r>
+            <a:r>
+              <a:rPr lang="en-CA" dirty="0"/>
+              <a:t>* </a:t>
+            </a:r>
+            <a:r>
+              <a:rPr lang="en-CA" dirty="0" err="1"/>
+              <a:t>pMyArena</a:t>
+            </a:r>
+            <a:r>
+              <a:rPr lang="en-CA" dirty="0"/>
+              <a:t> = </a:t>
+            </a:r>
+            <a:r>
+              <a:rPr lang="en-CA" b="1" u="sng" dirty="0" err="1"/>
+              <a:t>cArena</a:t>
+            </a:r>
+            <a:r>
+              <a:rPr lang="en-CA" b="1" u="sng" dirty="0"/>
+              <a:t>::</a:t>
+            </a:r>
+            <a:r>
+              <a:rPr lang="en-CA" dirty="0" err="1"/>
+              <a:t>getMeAnArenaPlease</a:t>
+            </a:r>
+            <a:r>
+              <a:rPr lang="en-CA" dirty="0"/>
+              <a:t>();</a:t>
+            </a:r>
+          </a:p>
+          <a:p>
+            <a:r>
+              <a:rPr lang="en-CA" dirty="0"/>
+              <a:t>Issue: Who destroys this? </a:t>
+            </a:r>
+          </a:p>
+        </p:txBody>
+      </p:sp>
+    </p:spTree>
+    <p:extLst>
+      <p:ext uri="{BB962C8B-B14F-4D97-AF65-F5344CB8AC3E}">
+        <p14:creationId xmlns:p14="http://schemas.microsoft.com/office/powerpoint/2010/main" val="3803234295"/>
+      </p:ext>
+    </p:extLst>
+  </p:cSld>
+  <p:clrMapOvr>
+    <a:masterClrMapping/>
+  </p:clrMapOvr>
+</p:sld>
+</file>
+
+<file path=ppt/slides/slide7.xml><?xml version="1.0" encoding="utf-8"?>
+<p:sld xmlns:a="http://schemas.openxmlformats.org/drawingml/2006/main" xmlns:r="http://schemas.openxmlformats.org/officeDocument/2006/relationships" xmlns:p="http://schemas.openxmlformats.org/presentationml/2006/main">
+  <p:cSld>
+    <p:spTree>
+      <p:nvGrpSpPr>
+        <p:cNvPr id="1" name=""/>
+        <p:cNvGrpSpPr/>
+        <p:nvPr/>
+      </p:nvGrpSpPr>
+      <p:grpSpPr>
+        <a:xfrm>
+          <a:off x="0" y="0"/>
+          <a:ext cx="0" cy="0"/>
+          <a:chOff x="0" y="0"/>
+          <a:chExt cx="0" cy="0"/>
+        </a:xfrm>
+      </p:grpSpPr>
+      <p:sp>
+        <p:nvSpPr>
+          <p:cNvPr id="2" name="Title 1">
+            <a:extLst>
+              <a:ext uri="{FF2B5EF4-FFF2-40B4-BE49-F238E27FC236}">
+                <a16:creationId xmlns:a16="http://schemas.microsoft.com/office/drawing/2014/main" id="{4EF1F834-1374-891E-A644-596BA61A5BA6}"/>
+              </a:ext>
+            </a:extLst>
+          </p:cNvPr>
+          <p:cNvSpPr>
+            <a:spLocks noGrp="1"/>
+          </p:cNvSpPr>
+          <p:nvPr>
+            <p:ph type="title"/>
+          </p:nvPr>
+        </p:nvSpPr>
+        <p:spPr/>
+        <p:txBody>
+          <a:bodyPr/>
+          <a:lstStyle/>
+          <a:p>
+            <a:r>
+              <a:rPr lang="en-CA" dirty="0"/>
+              <a:t>“Builder” pattern</a:t>
+            </a:r>
+          </a:p>
+        </p:txBody>
+      </p:sp>
+      <p:sp>
+        <p:nvSpPr>
+          <p:cNvPr id="3" name="Content Placeholder 2">
+            <a:extLst>
+              <a:ext uri="{FF2B5EF4-FFF2-40B4-BE49-F238E27FC236}">
+                <a16:creationId xmlns:a16="http://schemas.microsoft.com/office/drawing/2014/main" id="{4285F69C-D846-111D-EF5A-4DE88B5F6AC7}"/>
+              </a:ext>
+            </a:extLst>
+          </p:cNvPr>
+          <p:cNvSpPr>
+            <a:spLocks noGrp="1"/>
+          </p:cNvSpPr>
+          <p:nvPr>
+            <p:ph idx="1"/>
+          </p:nvPr>
+        </p:nvSpPr>
+        <p:spPr/>
+        <p:txBody>
+          <a:bodyPr>
+            <a:normAutofit/>
+          </a:bodyPr>
+          <a:lstStyle/>
+          <a:p>
+            <a:r>
+              <a:rPr lang="en-CA" dirty="0"/>
+              <a:t>Another factory pattern, but NOT necessarily an abstract one.</a:t>
+            </a:r>
+          </a:p>
+          <a:p>
+            <a:r>
+              <a:rPr lang="en-CA" dirty="0"/>
+              <a:t>Usually it returns a variation of objects that can have the same base interface BUT:</a:t>
+            </a:r>
+          </a:p>
+          <a:p>
+            <a:pPr lvl="1"/>
+            <a:r>
+              <a:rPr lang="en-CA" dirty="0"/>
+              <a:t>Additional things are “built” onto it.</a:t>
+            </a:r>
+          </a:p>
+          <a:p>
+            <a:pPr lvl="1"/>
+            <a:r>
+              <a:rPr lang="en-CA" dirty="0"/>
+              <a:t>Robot </a:t>
+            </a:r>
+            <a:r>
+              <a:rPr lang="en-CA" dirty="0">
+                <a:sym typeface="Wingdings" panose="05000000000000000000" pitchFamily="2" charset="2"/>
+              </a:rPr>
+              <a:t> iRobot class with a “regular” Weapon of </a:t>
+            </a:r>
+            <a:r>
+              <a:rPr lang="en-CA" dirty="0" err="1">
+                <a:sym typeface="Wingdings" panose="05000000000000000000" pitchFamily="2" charset="2"/>
+              </a:rPr>
+              <a:t>iWepon</a:t>
+            </a:r>
+            <a:r>
+              <a:rPr lang="en-CA" dirty="0">
+                <a:sym typeface="Wingdings" panose="05000000000000000000" pitchFamily="2" charset="2"/>
+              </a:rPr>
+              <a:t> interface</a:t>
+            </a:r>
+          </a:p>
+          <a:p>
+            <a:pPr lvl="1"/>
+            <a:r>
+              <a:rPr lang="en-CA" dirty="0" err="1">
+                <a:sym typeface="Wingdings" panose="05000000000000000000" pitchFamily="2" charset="2"/>
+              </a:rPr>
+              <a:t>SuperRobot</a:t>
+            </a:r>
+            <a:r>
+              <a:rPr lang="en-CA" dirty="0">
+                <a:sym typeface="Wingdings" panose="05000000000000000000" pitchFamily="2" charset="2"/>
+              </a:rPr>
+              <a:t>  iRobot class with a 2 weapons but also a sword</a:t>
+            </a:r>
+          </a:p>
+          <a:p>
+            <a:pPr lvl="2"/>
+            <a:r>
+              <a:rPr lang="en-CA" dirty="0">
+                <a:sym typeface="Wingdings" panose="05000000000000000000" pitchFamily="2" charset="2"/>
+              </a:rPr>
+              <a:t>The sword is completely different </a:t>
+            </a:r>
+          </a:p>
+          <a:p>
+            <a:r>
+              <a:rPr lang="en-CA" dirty="0">
+                <a:sym typeface="Wingdings" panose="05000000000000000000" pitchFamily="2" charset="2"/>
+              </a:rPr>
+              <a:t>Both types of robots have the weapon usage “hidden” behind the interface with the “attack</a:t>
+            </a:r>
+            <a:r>
+              <a:rPr lang="en-CA">
+                <a:sym typeface="Wingdings" panose="05000000000000000000" pitchFamily="2" charset="2"/>
+              </a:rPr>
+              <a:t>()” method</a:t>
+            </a:r>
+          </a:p>
+        </p:txBody>
+      </p:sp>
+    </p:spTree>
+    <p:extLst>
+      <p:ext uri="{BB962C8B-B14F-4D97-AF65-F5344CB8AC3E}">
+        <p14:creationId xmlns:p14="http://schemas.microsoft.com/office/powerpoint/2010/main" val="3819701409"/>
       </p:ext>
     </p:extLst>
   </p:cSld>
